--- a/product-api-annotation/presentation.pptx
+++ b/product-api-annotation/presentation.pptx
@@ -14,6 +14,11 @@
     <p:sldId id="262" r:id="rId8"/>
     <p:sldId id="263" r:id="rId9"/>
     <p:sldId id="264" r:id="rId10"/>
+    <p:sldId id="265" r:id="rId11"/>
+    <p:sldId id="266" r:id="rId12"/>
+    <p:sldId id="267" r:id="rId13"/>
+    <p:sldId id="268" r:id="rId14"/>
+    <p:sldId id="269" r:id="rId15"/>
   </p:sldIdLst>
   <p:sldSz cx="12192000" cy="6858000"/>
   <p:notesSz cx="6858000" cy="9144000"/>
@@ -112,6 +117,11 @@
       </a:defRPr>
     </a:lvl9pPr>
   </p:defaultTextStyle>
+  <p:extLst>
+    <p:ext uri="{EFAFB233-063F-42B5-8137-9DF3F51BA10A}">
+      <p15:sldGuideLst xmlns:p15="http://schemas.microsoft.com/office/powerpoint/2012/main"/>
+    </p:ext>
+  </p:extLst>
 </p:presentation>
 </file>
 
@@ -264,7 +274,7 @@
           <a:p>
             <a:fld id="{9D86510E-0FA5-4F52-97F1-B2C00FD8942D}" type="datetimeFigureOut">
               <a:rPr lang="en-IN" smtClean="0"/>
-              <a:t>16-07-2021</a:t>
+              <a:t>19-07-2021</a:t>
             </a:fld>
             <a:endParaRPr lang="en-IN"/>
           </a:p>
@@ -464,7 +474,7 @@
           <a:p>
             <a:fld id="{9D86510E-0FA5-4F52-97F1-B2C00FD8942D}" type="datetimeFigureOut">
               <a:rPr lang="en-IN" smtClean="0"/>
-              <a:t>16-07-2021</a:t>
+              <a:t>19-07-2021</a:t>
             </a:fld>
             <a:endParaRPr lang="en-IN"/>
           </a:p>
@@ -674,7 +684,7 @@
           <a:p>
             <a:fld id="{9D86510E-0FA5-4F52-97F1-B2C00FD8942D}" type="datetimeFigureOut">
               <a:rPr lang="en-IN" smtClean="0"/>
-              <a:t>16-07-2021</a:t>
+              <a:t>19-07-2021</a:t>
             </a:fld>
             <a:endParaRPr lang="en-IN"/>
           </a:p>
@@ -874,7 +884,7 @@
           <a:p>
             <a:fld id="{9D86510E-0FA5-4F52-97F1-B2C00FD8942D}" type="datetimeFigureOut">
               <a:rPr lang="en-IN" smtClean="0"/>
-              <a:t>16-07-2021</a:t>
+              <a:t>19-07-2021</a:t>
             </a:fld>
             <a:endParaRPr lang="en-IN"/>
           </a:p>
@@ -1150,7 +1160,7 @@
           <a:p>
             <a:fld id="{9D86510E-0FA5-4F52-97F1-B2C00FD8942D}" type="datetimeFigureOut">
               <a:rPr lang="en-IN" smtClean="0"/>
-              <a:t>16-07-2021</a:t>
+              <a:t>19-07-2021</a:t>
             </a:fld>
             <a:endParaRPr lang="en-IN"/>
           </a:p>
@@ -1418,7 +1428,7 @@
           <a:p>
             <a:fld id="{9D86510E-0FA5-4F52-97F1-B2C00FD8942D}" type="datetimeFigureOut">
               <a:rPr lang="en-IN" smtClean="0"/>
-              <a:t>16-07-2021</a:t>
+              <a:t>19-07-2021</a:t>
             </a:fld>
             <a:endParaRPr lang="en-IN"/>
           </a:p>
@@ -1833,7 +1843,7 @@
           <a:p>
             <a:fld id="{9D86510E-0FA5-4F52-97F1-B2C00FD8942D}" type="datetimeFigureOut">
               <a:rPr lang="en-IN" smtClean="0"/>
-              <a:t>16-07-2021</a:t>
+              <a:t>19-07-2021</a:t>
             </a:fld>
             <a:endParaRPr lang="en-IN"/>
           </a:p>
@@ -1975,7 +1985,7 @@
           <a:p>
             <a:fld id="{9D86510E-0FA5-4F52-97F1-B2C00FD8942D}" type="datetimeFigureOut">
               <a:rPr lang="en-IN" smtClean="0"/>
-              <a:t>16-07-2021</a:t>
+              <a:t>19-07-2021</a:t>
             </a:fld>
             <a:endParaRPr lang="en-IN"/>
           </a:p>
@@ -2088,7 +2098,7 @@
           <a:p>
             <a:fld id="{9D86510E-0FA5-4F52-97F1-B2C00FD8942D}" type="datetimeFigureOut">
               <a:rPr lang="en-IN" smtClean="0"/>
-              <a:t>16-07-2021</a:t>
+              <a:t>19-07-2021</a:t>
             </a:fld>
             <a:endParaRPr lang="en-IN"/>
           </a:p>
@@ -2401,7 +2411,7 @@
           <a:p>
             <a:fld id="{9D86510E-0FA5-4F52-97F1-B2C00FD8942D}" type="datetimeFigureOut">
               <a:rPr lang="en-IN" smtClean="0"/>
-              <a:t>16-07-2021</a:t>
+              <a:t>19-07-2021</a:t>
             </a:fld>
             <a:endParaRPr lang="en-IN"/>
           </a:p>
@@ -2690,7 +2700,7 @@
           <a:p>
             <a:fld id="{9D86510E-0FA5-4F52-97F1-B2C00FD8942D}" type="datetimeFigureOut">
               <a:rPr lang="en-IN" smtClean="0"/>
-              <a:t>16-07-2021</a:t>
+              <a:t>19-07-2021</a:t>
             </a:fld>
             <a:endParaRPr lang="en-IN"/>
           </a:p>
@@ -2933,7 +2943,7 @@
           <a:p>
             <a:fld id="{9D86510E-0FA5-4F52-97F1-B2C00FD8942D}" type="datetimeFigureOut">
               <a:rPr lang="en-IN" smtClean="0"/>
-              <a:t>16-07-2021</a:t>
+              <a:t>19-07-2021</a:t>
             </a:fld>
             <a:endParaRPr lang="en-IN"/>
           </a:p>
@@ -3384,6 +3394,456 @@
     <p:extLst>
       <p:ext uri="{BB962C8B-B14F-4D97-AF65-F5344CB8AC3E}">
         <p14:creationId xmlns:p14="http://schemas.microsoft.com/office/powerpoint/2010/main" val="3937696221"/>
+      </p:ext>
+    </p:extLst>
+  </p:cSld>
+  <p:clrMapOvr>
+    <a:masterClrMapping/>
+  </p:clrMapOvr>
+</p:sld>
+</file>
+
+<file path=ppt/slides/slide10.xml><?xml version="1.0" encoding="utf-8"?>
+<p:sld xmlns:a="http://schemas.openxmlformats.org/drawingml/2006/main" xmlns:r="http://schemas.openxmlformats.org/officeDocument/2006/relationships" xmlns:p="http://schemas.openxmlformats.org/presentationml/2006/main">
+  <p:cSld>
+    <p:spTree>
+      <p:nvGrpSpPr>
+        <p:cNvPr id="1" name=""/>
+        <p:cNvGrpSpPr/>
+        <p:nvPr/>
+      </p:nvGrpSpPr>
+      <p:grpSpPr>
+        <a:xfrm>
+          <a:off x="0" y="0"/>
+          <a:ext cx="0" cy="0"/>
+          <a:chOff x="0" y="0"/>
+          <a:chExt cx="0" cy="0"/>
+        </a:xfrm>
+      </p:grpSpPr>
+      <p:pic>
+        <p:nvPicPr>
+          <p:cNvPr id="3" name="Picture 2">
+            <a:extLst>
+              <a:ext uri="{FF2B5EF4-FFF2-40B4-BE49-F238E27FC236}">
+                <a16:creationId xmlns:a16="http://schemas.microsoft.com/office/drawing/2014/main" id="{FC21A7A6-2D0E-4D57-8638-7880865B3115}"/>
+              </a:ext>
+            </a:extLst>
+          </p:cNvPr>
+          <p:cNvPicPr>
+            <a:picLocks noChangeAspect="1"/>
+          </p:cNvPicPr>
+          <p:nvPr/>
+        </p:nvPicPr>
+        <p:blipFill>
+          <a:blip r:embed="rId2"/>
+          <a:stretch>
+            <a:fillRect/>
+          </a:stretch>
+        </p:blipFill>
+        <p:spPr>
+          <a:xfrm>
+            <a:off x="202551" y="0"/>
+            <a:ext cx="8945223" cy="4286848"/>
+          </a:xfrm>
+          <a:prstGeom prst="rect">
+            <a:avLst/>
+          </a:prstGeom>
+        </p:spPr>
+      </p:pic>
+      <p:pic>
+        <p:nvPicPr>
+          <p:cNvPr id="5" name="Picture 4">
+            <a:extLst>
+              <a:ext uri="{FF2B5EF4-FFF2-40B4-BE49-F238E27FC236}">
+                <a16:creationId xmlns:a16="http://schemas.microsoft.com/office/drawing/2014/main" id="{923575ED-3DD5-4F74-A184-672E46932556}"/>
+              </a:ext>
+            </a:extLst>
+          </p:cNvPr>
+          <p:cNvPicPr>
+            <a:picLocks noChangeAspect="1"/>
+          </p:cNvPicPr>
+          <p:nvPr/>
+        </p:nvPicPr>
+        <p:blipFill>
+          <a:blip r:embed="rId3"/>
+          <a:stretch>
+            <a:fillRect/>
+          </a:stretch>
+        </p:blipFill>
+        <p:spPr>
+          <a:xfrm>
+            <a:off x="2298343" y="4286848"/>
+            <a:ext cx="6849431" cy="1552792"/>
+          </a:xfrm>
+          <a:prstGeom prst="rect">
+            <a:avLst/>
+          </a:prstGeom>
+        </p:spPr>
+      </p:pic>
+    </p:spTree>
+    <p:extLst>
+      <p:ext uri="{BB962C8B-B14F-4D97-AF65-F5344CB8AC3E}">
+        <p14:creationId xmlns:p14="http://schemas.microsoft.com/office/powerpoint/2010/main" val="1670848607"/>
+      </p:ext>
+    </p:extLst>
+  </p:cSld>
+  <p:clrMapOvr>
+    <a:masterClrMapping/>
+  </p:clrMapOvr>
+</p:sld>
+</file>
+
+<file path=ppt/slides/slide11.xml><?xml version="1.0" encoding="utf-8"?>
+<p:sld xmlns:a="http://schemas.openxmlformats.org/drawingml/2006/main" xmlns:r="http://schemas.openxmlformats.org/officeDocument/2006/relationships" xmlns:p="http://schemas.openxmlformats.org/presentationml/2006/main">
+  <p:cSld>
+    <p:spTree>
+      <p:nvGrpSpPr>
+        <p:cNvPr id="1" name=""/>
+        <p:cNvGrpSpPr/>
+        <p:nvPr/>
+      </p:nvGrpSpPr>
+      <p:grpSpPr>
+        <a:xfrm>
+          <a:off x="0" y="0"/>
+          <a:ext cx="0" cy="0"/>
+          <a:chOff x="0" y="0"/>
+          <a:chExt cx="0" cy="0"/>
+        </a:xfrm>
+      </p:grpSpPr>
+      <p:pic>
+        <p:nvPicPr>
+          <p:cNvPr id="3" name="Picture 2">
+            <a:extLst>
+              <a:ext uri="{FF2B5EF4-FFF2-40B4-BE49-F238E27FC236}">
+                <a16:creationId xmlns:a16="http://schemas.microsoft.com/office/drawing/2014/main" id="{7179ED39-CF64-45E5-9CD3-F7CD268BF84C}"/>
+              </a:ext>
+            </a:extLst>
+          </p:cNvPr>
+          <p:cNvPicPr>
+            <a:picLocks noChangeAspect="1"/>
+          </p:cNvPicPr>
+          <p:nvPr/>
+        </p:nvPicPr>
+        <p:blipFill>
+          <a:blip r:embed="rId2"/>
+          <a:stretch>
+            <a:fillRect/>
+          </a:stretch>
+        </p:blipFill>
+        <p:spPr>
+          <a:xfrm>
+            <a:off x="118251" y="0"/>
+            <a:ext cx="9535856" cy="4401164"/>
+          </a:xfrm>
+          <a:prstGeom prst="rect">
+            <a:avLst/>
+          </a:prstGeom>
+        </p:spPr>
+      </p:pic>
+    </p:spTree>
+    <p:extLst>
+      <p:ext uri="{BB962C8B-B14F-4D97-AF65-F5344CB8AC3E}">
+        <p14:creationId xmlns:p14="http://schemas.microsoft.com/office/powerpoint/2010/main" val="1885397709"/>
+      </p:ext>
+    </p:extLst>
+  </p:cSld>
+  <p:clrMapOvr>
+    <a:masterClrMapping/>
+  </p:clrMapOvr>
+</p:sld>
+</file>
+
+<file path=ppt/slides/slide12.xml><?xml version="1.0" encoding="utf-8"?>
+<p:sld xmlns:a="http://schemas.openxmlformats.org/drawingml/2006/main" xmlns:r="http://schemas.openxmlformats.org/officeDocument/2006/relationships" xmlns:p="http://schemas.openxmlformats.org/presentationml/2006/main">
+  <p:cSld>
+    <p:spTree>
+      <p:nvGrpSpPr>
+        <p:cNvPr id="1" name=""/>
+        <p:cNvGrpSpPr/>
+        <p:nvPr/>
+      </p:nvGrpSpPr>
+      <p:grpSpPr>
+        <a:xfrm>
+          <a:off x="0" y="0"/>
+          <a:ext cx="0" cy="0"/>
+          <a:chOff x="0" y="0"/>
+          <a:chExt cx="0" cy="0"/>
+        </a:xfrm>
+      </p:grpSpPr>
+      <p:pic>
+        <p:nvPicPr>
+          <p:cNvPr id="3" name="Picture 2">
+            <a:extLst>
+              <a:ext uri="{FF2B5EF4-FFF2-40B4-BE49-F238E27FC236}">
+                <a16:creationId xmlns:a16="http://schemas.microsoft.com/office/drawing/2014/main" id="{C5C06546-AE5B-46D1-A6F5-407A3D191ED4}"/>
+              </a:ext>
+            </a:extLst>
+          </p:cNvPr>
+          <p:cNvPicPr>
+            <a:picLocks noChangeAspect="1"/>
+          </p:cNvPicPr>
+          <p:nvPr/>
+        </p:nvPicPr>
+        <p:blipFill>
+          <a:blip r:embed="rId2"/>
+          <a:stretch>
+            <a:fillRect/>
+          </a:stretch>
+        </p:blipFill>
+        <p:spPr>
+          <a:xfrm>
+            <a:off x="401456" y="527064"/>
+            <a:ext cx="9507277" cy="2057687"/>
+          </a:xfrm>
+          <a:prstGeom prst="rect">
+            <a:avLst/>
+          </a:prstGeom>
+        </p:spPr>
+      </p:pic>
+      <p:pic>
+        <p:nvPicPr>
+          <p:cNvPr id="4" name="Picture 3">
+            <a:extLst>
+              <a:ext uri="{FF2B5EF4-FFF2-40B4-BE49-F238E27FC236}">
+                <a16:creationId xmlns:a16="http://schemas.microsoft.com/office/drawing/2014/main" id="{261CEE01-190E-44B2-A517-85F29DD64A3A}"/>
+              </a:ext>
+            </a:extLst>
+          </p:cNvPr>
+          <p:cNvPicPr>
+            <a:picLocks noChangeAspect="1"/>
+          </p:cNvPicPr>
+          <p:nvPr/>
+        </p:nvPicPr>
+        <p:blipFill>
+          <a:blip r:embed="rId3"/>
+          <a:stretch>
+            <a:fillRect/>
+          </a:stretch>
+        </p:blipFill>
+        <p:spPr>
+          <a:xfrm>
+            <a:off x="7835704" y="164085"/>
+            <a:ext cx="4557481" cy="2806925"/>
+          </a:xfrm>
+          <a:prstGeom prst="rect">
+            <a:avLst/>
+          </a:prstGeom>
+        </p:spPr>
+      </p:pic>
+      <p:pic>
+        <p:nvPicPr>
+          <p:cNvPr id="6" name="Picture 5">
+            <a:extLst>
+              <a:ext uri="{FF2B5EF4-FFF2-40B4-BE49-F238E27FC236}">
+                <a16:creationId xmlns:a16="http://schemas.microsoft.com/office/drawing/2014/main" id="{0840B828-38E1-42E0-85E2-83CA19FE62DC}"/>
+              </a:ext>
+            </a:extLst>
+          </p:cNvPr>
+          <p:cNvPicPr>
+            <a:picLocks noChangeAspect="1"/>
+          </p:cNvPicPr>
+          <p:nvPr/>
+        </p:nvPicPr>
+        <p:blipFill>
+          <a:blip r:embed="rId4"/>
+          <a:stretch>
+            <a:fillRect/>
+          </a:stretch>
+        </p:blipFill>
+        <p:spPr>
+          <a:xfrm>
+            <a:off x="506958" y="3237995"/>
+            <a:ext cx="7020905" cy="3620005"/>
+          </a:xfrm>
+          <a:prstGeom prst="rect">
+            <a:avLst/>
+          </a:prstGeom>
+        </p:spPr>
+      </p:pic>
+    </p:spTree>
+    <p:extLst>
+      <p:ext uri="{BB962C8B-B14F-4D97-AF65-F5344CB8AC3E}">
+        <p14:creationId xmlns:p14="http://schemas.microsoft.com/office/powerpoint/2010/main" val="549357973"/>
+      </p:ext>
+    </p:extLst>
+  </p:cSld>
+  <p:clrMapOvr>
+    <a:masterClrMapping/>
+  </p:clrMapOvr>
+</p:sld>
+</file>
+
+<file path=ppt/slides/slide13.xml><?xml version="1.0" encoding="utf-8"?>
+<p:sld xmlns:a="http://schemas.openxmlformats.org/drawingml/2006/main" xmlns:r="http://schemas.openxmlformats.org/officeDocument/2006/relationships" xmlns:p="http://schemas.openxmlformats.org/presentationml/2006/main">
+  <p:cSld>
+    <p:spTree>
+      <p:nvGrpSpPr>
+        <p:cNvPr id="1" name=""/>
+        <p:cNvGrpSpPr/>
+        <p:nvPr/>
+      </p:nvGrpSpPr>
+      <p:grpSpPr>
+        <a:xfrm>
+          <a:off x="0" y="0"/>
+          <a:ext cx="0" cy="0"/>
+          <a:chOff x="0" y="0"/>
+          <a:chExt cx="0" cy="0"/>
+        </a:xfrm>
+      </p:grpSpPr>
+      <p:pic>
+        <p:nvPicPr>
+          <p:cNvPr id="3" name="Picture 2">
+            <a:extLst>
+              <a:ext uri="{FF2B5EF4-FFF2-40B4-BE49-F238E27FC236}">
+                <a16:creationId xmlns:a16="http://schemas.microsoft.com/office/drawing/2014/main" id="{78D0FB00-167A-4C02-808E-ACAACF6CDB2E}"/>
+              </a:ext>
+            </a:extLst>
+          </p:cNvPr>
+          <p:cNvPicPr>
+            <a:picLocks noChangeAspect="1"/>
+          </p:cNvPicPr>
+          <p:nvPr/>
+        </p:nvPicPr>
+        <p:blipFill>
+          <a:blip r:embed="rId2"/>
+          <a:stretch>
+            <a:fillRect/>
+          </a:stretch>
+        </p:blipFill>
+        <p:spPr>
+          <a:xfrm>
+            <a:off x="718631" y="936989"/>
+            <a:ext cx="8306959" cy="3886742"/>
+          </a:xfrm>
+          <a:prstGeom prst="rect">
+            <a:avLst/>
+          </a:prstGeom>
+        </p:spPr>
+      </p:pic>
+      <p:pic>
+        <p:nvPicPr>
+          <p:cNvPr id="5" name="Picture 4">
+            <a:extLst>
+              <a:ext uri="{FF2B5EF4-FFF2-40B4-BE49-F238E27FC236}">
+                <a16:creationId xmlns:a16="http://schemas.microsoft.com/office/drawing/2014/main" id="{F689350F-2291-4DC2-8EAB-0E7E0980A211}"/>
+              </a:ext>
+            </a:extLst>
+          </p:cNvPr>
+          <p:cNvPicPr>
+            <a:picLocks noChangeAspect="1"/>
+          </p:cNvPicPr>
+          <p:nvPr/>
+        </p:nvPicPr>
+        <p:blipFill>
+          <a:blip r:embed="rId3"/>
+          <a:stretch>
+            <a:fillRect/>
+          </a:stretch>
+        </p:blipFill>
+        <p:spPr>
+          <a:xfrm>
+            <a:off x="7090219" y="3962440"/>
+            <a:ext cx="4820323" cy="2562583"/>
+          </a:xfrm>
+          <a:prstGeom prst="rect">
+            <a:avLst/>
+          </a:prstGeom>
+        </p:spPr>
+      </p:pic>
+    </p:spTree>
+    <p:extLst>
+      <p:ext uri="{BB962C8B-B14F-4D97-AF65-F5344CB8AC3E}">
+        <p14:creationId xmlns:p14="http://schemas.microsoft.com/office/powerpoint/2010/main" val="3650195381"/>
+      </p:ext>
+    </p:extLst>
+  </p:cSld>
+  <p:clrMapOvr>
+    <a:masterClrMapping/>
+  </p:clrMapOvr>
+</p:sld>
+</file>
+
+<file path=ppt/slides/slide14.xml><?xml version="1.0" encoding="utf-8"?>
+<p:sld xmlns:a="http://schemas.openxmlformats.org/drawingml/2006/main" xmlns:r="http://schemas.openxmlformats.org/officeDocument/2006/relationships" xmlns:p="http://schemas.openxmlformats.org/presentationml/2006/main">
+  <p:cSld>
+    <p:spTree>
+      <p:nvGrpSpPr>
+        <p:cNvPr id="1" name=""/>
+        <p:cNvGrpSpPr/>
+        <p:nvPr/>
+      </p:nvGrpSpPr>
+      <p:grpSpPr>
+        <a:xfrm>
+          <a:off x="0" y="0"/>
+          <a:ext cx="0" cy="0"/>
+          <a:chOff x="0" y="0"/>
+          <a:chExt cx="0" cy="0"/>
+        </a:xfrm>
+      </p:grpSpPr>
+      <p:pic>
+        <p:nvPicPr>
+          <p:cNvPr id="3" name="Picture 2">
+            <a:extLst>
+              <a:ext uri="{FF2B5EF4-FFF2-40B4-BE49-F238E27FC236}">
+                <a16:creationId xmlns:a16="http://schemas.microsoft.com/office/drawing/2014/main" id="{CF57E203-C6D9-4FDF-AEA3-80530F37FD0A}"/>
+              </a:ext>
+            </a:extLst>
+          </p:cNvPr>
+          <p:cNvPicPr>
+            <a:picLocks noChangeAspect="1"/>
+          </p:cNvPicPr>
+          <p:nvPr/>
+        </p:nvPicPr>
+        <p:blipFill>
+          <a:blip r:embed="rId2"/>
+          <a:stretch>
+            <a:fillRect/>
+          </a:stretch>
+        </p:blipFill>
+        <p:spPr>
+          <a:xfrm>
+            <a:off x="2013968" y="3706936"/>
+            <a:ext cx="8164064" cy="2200582"/>
+          </a:xfrm>
+          <a:prstGeom prst="rect">
+            <a:avLst/>
+          </a:prstGeom>
+        </p:spPr>
+      </p:pic>
+      <p:pic>
+        <p:nvPicPr>
+          <p:cNvPr id="5" name="Picture 4">
+            <a:extLst>
+              <a:ext uri="{FF2B5EF4-FFF2-40B4-BE49-F238E27FC236}">
+                <a16:creationId xmlns:a16="http://schemas.microsoft.com/office/drawing/2014/main" id="{7FEEBFB2-FC45-4A44-B8F7-6F735D0CB176}"/>
+              </a:ext>
+            </a:extLst>
+          </p:cNvPr>
+          <p:cNvPicPr>
+            <a:picLocks noChangeAspect="1"/>
+          </p:cNvPicPr>
+          <p:nvPr/>
+        </p:nvPicPr>
+        <p:blipFill>
+          <a:blip r:embed="rId3"/>
+          <a:stretch>
+            <a:fillRect/>
+          </a:stretch>
+        </p:blipFill>
+        <p:spPr>
+          <a:xfrm>
+            <a:off x="450444" y="232134"/>
+            <a:ext cx="7792537" cy="2762636"/>
+          </a:xfrm>
+          <a:prstGeom prst="rect">
+            <a:avLst/>
+          </a:prstGeom>
+        </p:spPr>
+      </p:pic>
+    </p:spTree>
+    <p:extLst>
+      <p:ext uri="{BB962C8B-B14F-4D97-AF65-F5344CB8AC3E}">
+        <p14:creationId xmlns:p14="http://schemas.microsoft.com/office/powerpoint/2010/main" val="3566899468"/>
       </p:ext>
     </p:extLst>
   </p:cSld>

--- a/product-api-annotation/presentation.pptx
+++ b/product-api-annotation/presentation.pptx
@@ -12,13 +12,14 @@
     <p:sldId id="260" r:id="rId6"/>
     <p:sldId id="261" r:id="rId7"/>
     <p:sldId id="262" r:id="rId8"/>
-    <p:sldId id="263" r:id="rId9"/>
-    <p:sldId id="264" r:id="rId10"/>
-    <p:sldId id="265" r:id="rId11"/>
-    <p:sldId id="266" r:id="rId12"/>
-    <p:sldId id="267" r:id="rId13"/>
-    <p:sldId id="268" r:id="rId14"/>
-    <p:sldId id="269" r:id="rId15"/>
+    <p:sldId id="270" r:id="rId9"/>
+    <p:sldId id="263" r:id="rId10"/>
+    <p:sldId id="264" r:id="rId11"/>
+    <p:sldId id="265" r:id="rId12"/>
+    <p:sldId id="266" r:id="rId13"/>
+    <p:sldId id="267" r:id="rId14"/>
+    <p:sldId id="268" r:id="rId15"/>
+    <p:sldId id="269" r:id="rId16"/>
   </p:sldIdLst>
   <p:sldSz cx="12192000" cy="6858000"/>
   <p:notesSz cx="6858000" cy="9144000"/>
@@ -3422,68 +3423,149 @@
       </p:grpSpPr>
       <p:pic>
         <p:nvPicPr>
-          <p:cNvPr id="3" name="Picture 2">
-            <a:extLst>
-              <a:ext uri="{FF2B5EF4-FFF2-40B4-BE49-F238E27FC236}">
-                <a16:creationId xmlns:a16="http://schemas.microsoft.com/office/drawing/2014/main" id="{FC21A7A6-2D0E-4D57-8638-7880865B3115}"/>
+          <p:cNvPr id="2" name="Picture 3">
+            <a:extLst>
+              <a:ext uri="{FF2B5EF4-FFF2-40B4-BE49-F238E27FC236}">
+                <a16:creationId xmlns:a16="http://schemas.microsoft.com/office/drawing/2014/main" id="{85EE3DA8-5B09-40BA-B4BC-8A72EAFA9E36}"/>
               </a:ext>
             </a:extLst>
           </p:cNvPr>
           <p:cNvPicPr>
-            <a:picLocks noChangeAspect="1"/>
+            <a:picLocks noChangeAspect="1" noChangeArrowheads="1"/>
           </p:cNvPicPr>
           <p:nvPr/>
         </p:nvPicPr>
         <p:blipFill>
-          <a:blip r:embed="rId2"/>
+          <a:blip r:embed="rId2">
+            <a:extLst>
+              <a:ext uri="{28A0092B-C50C-407E-A947-70E740481C1C}">
+                <a14:useLocalDpi xmlns:a14="http://schemas.microsoft.com/office/drawing/2010/main" val="0"/>
+              </a:ext>
+            </a:extLst>
+          </a:blip>
+          <a:srcRect/>
           <a:stretch>
             <a:fillRect/>
           </a:stretch>
         </p:blipFill>
-        <p:spPr>
-          <a:xfrm>
-            <a:off x="202551" y="0"/>
-            <a:ext cx="8945223" cy="4286848"/>
+        <p:spPr bwMode="auto">
+          <a:xfrm>
+            <a:off x="0" y="0"/>
+            <a:ext cx="6143625" cy="3057525"/>
           </a:xfrm>
           <a:prstGeom prst="rect">
             <a:avLst/>
           </a:prstGeom>
+          <a:noFill/>
+          <a:extLst>
+            <a:ext uri="{909E8E84-426E-40DD-AFC4-6F175D3DCCD1}">
+              <a14:hiddenFill xmlns:a14="http://schemas.microsoft.com/office/drawing/2010/main">
+                <a:solidFill>
+                  <a:srgbClr val="FFFFFF"/>
+                </a:solidFill>
+              </a14:hiddenFill>
+            </a:ext>
+          </a:extLst>
         </p:spPr>
       </p:pic>
       <p:pic>
         <p:nvPicPr>
-          <p:cNvPr id="5" name="Picture 4">
-            <a:extLst>
-              <a:ext uri="{FF2B5EF4-FFF2-40B4-BE49-F238E27FC236}">
-                <a16:creationId xmlns:a16="http://schemas.microsoft.com/office/drawing/2014/main" id="{923575ED-3DD5-4F74-A184-672E46932556}"/>
+          <p:cNvPr id="3" name="Picture 5">
+            <a:extLst>
+              <a:ext uri="{FF2B5EF4-FFF2-40B4-BE49-F238E27FC236}">
+                <a16:creationId xmlns:a16="http://schemas.microsoft.com/office/drawing/2014/main" id="{715F1DC8-B2EE-4EB5-B65A-BA76972699E4}"/>
               </a:ext>
             </a:extLst>
           </p:cNvPr>
           <p:cNvPicPr>
-            <a:picLocks noChangeAspect="1"/>
+            <a:picLocks noChangeAspect="1" noChangeArrowheads="1"/>
           </p:cNvPicPr>
           <p:nvPr/>
         </p:nvPicPr>
         <p:blipFill>
-          <a:blip r:embed="rId3"/>
+          <a:blip r:embed="rId3">
+            <a:extLst>
+              <a:ext uri="{28A0092B-C50C-407E-A947-70E740481C1C}">
+                <a14:useLocalDpi xmlns:a14="http://schemas.microsoft.com/office/drawing/2010/main" val="0"/>
+              </a:ext>
+            </a:extLst>
+          </a:blip>
+          <a:srcRect/>
           <a:stretch>
             <a:fillRect/>
           </a:stretch>
         </p:blipFill>
-        <p:spPr>
-          <a:xfrm>
-            <a:off x="2298343" y="4286848"/>
-            <a:ext cx="6849431" cy="1552792"/>
+        <p:spPr bwMode="auto">
+          <a:xfrm>
+            <a:off x="5459895" y="180976"/>
+            <a:ext cx="6096000" cy="3619500"/>
           </a:xfrm>
           <a:prstGeom prst="rect">
             <a:avLst/>
           </a:prstGeom>
+          <a:noFill/>
+          <a:extLst>
+            <a:ext uri="{909E8E84-426E-40DD-AFC4-6F175D3DCCD1}">
+              <a14:hiddenFill xmlns:a14="http://schemas.microsoft.com/office/drawing/2010/main">
+                <a:solidFill>
+                  <a:srgbClr val="FFFFFF"/>
+                </a:solidFill>
+              </a14:hiddenFill>
+            </a:ext>
+          </a:extLst>
+        </p:spPr>
+      </p:pic>
+      <p:pic>
+        <p:nvPicPr>
+          <p:cNvPr id="4" name="Picture 2">
+            <a:extLst>
+              <a:ext uri="{FF2B5EF4-FFF2-40B4-BE49-F238E27FC236}">
+                <a16:creationId xmlns:a16="http://schemas.microsoft.com/office/drawing/2014/main" id="{7D121C49-71A7-476D-BCD4-9F85E0B5E565}"/>
+              </a:ext>
+            </a:extLst>
+          </p:cNvPr>
+          <p:cNvPicPr>
+            <a:picLocks noChangeAspect="1" noChangeArrowheads="1"/>
+          </p:cNvPicPr>
+          <p:nvPr/>
+        </p:nvPicPr>
+        <p:blipFill>
+          <a:blip r:embed="rId4">
+            <a:extLst>
+              <a:ext uri="{28A0092B-C50C-407E-A947-70E740481C1C}">
+                <a14:useLocalDpi xmlns:a14="http://schemas.microsoft.com/office/drawing/2010/main" val="0"/>
+              </a:ext>
+            </a:extLst>
+          </a:blip>
+          <a:srcRect/>
+          <a:stretch>
+            <a:fillRect/>
+          </a:stretch>
+        </p:blipFill>
+        <p:spPr bwMode="auto">
+          <a:xfrm>
+            <a:off x="28575" y="4081670"/>
+            <a:ext cx="6115050" cy="2381250"/>
+          </a:xfrm>
+          <a:prstGeom prst="rect">
+            <a:avLst/>
+          </a:prstGeom>
+          <a:noFill/>
+          <a:extLst>
+            <a:ext uri="{909E8E84-426E-40DD-AFC4-6F175D3DCCD1}">
+              <a14:hiddenFill xmlns:a14="http://schemas.microsoft.com/office/drawing/2010/main">
+                <a:solidFill>
+                  <a:srgbClr val="FFFFFF"/>
+                </a:solidFill>
+              </a14:hiddenFill>
+            </a:ext>
+          </a:extLst>
         </p:spPr>
       </p:pic>
     </p:spTree>
     <p:extLst>
       <p:ext uri="{BB962C8B-B14F-4D97-AF65-F5344CB8AC3E}">
-        <p14:creationId xmlns:p14="http://schemas.microsoft.com/office/powerpoint/2010/main" val="1670848607"/>
+        <p14:creationId xmlns:p14="http://schemas.microsoft.com/office/powerpoint/2010/main" val="2314752061"/>
       </p:ext>
     </p:extLst>
   </p:cSld>
@@ -3515,7 +3597,7 @@
           <p:cNvPr id="3" name="Picture 2">
             <a:extLst>
               <a:ext uri="{FF2B5EF4-FFF2-40B4-BE49-F238E27FC236}">
-                <a16:creationId xmlns:a16="http://schemas.microsoft.com/office/drawing/2014/main" id="{7179ED39-CF64-45E5-9CD3-F7CD268BF84C}"/>
+                <a16:creationId xmlns:a16="http://schemas.microsoft.com/office/drawing/2014/main" id="{FC21A7A6-2D0E-4D57-8638-7880865B3115}"/>
               </a:ext>
             </a:extLst>
           </p:cNvPr>
@@ -3532,8 +3614,38 @@
         </p:blipFill>
         <p:spPr>
           <a:xfrm>
-            <a:off x="118251" y="0"/>
-            <a:ext cx="9535856" cy="4401164"/>
+            <a:off x="202551" y="0"/>
+            <a:ext cx="8945223" cy="4286848"/>
+          </a:xfrm>
+          <a:prstGeom prst="rect">
+            <a:avLst/>
+          </a:prstGeom>
+        </p:spPr>
+      </p:pic>
+      <p:pic>
+        <p:nvPicPr>
+          <p:cNvPr id="5" name="Picture 4">
+            <a:extLst>
+              <a:ext uri="{FF2B5EF4-FFF2-40B4-BE49-F238E27FC236}">
+                <a16:creationId xmlns:a16="http://schemas.microsoft.com/office/drawing/2014/main" id="{923575ED-3DD5-4F74-A184-672E46932556}"/>
+              </a:ext>
+            </a:extLst>
+          </p:cNvPr>
+          <p:cNvPicPr>
+            <a:picLocks noChangeAspect="1"/>
+          </p:cNvPicPr>
+          <p:nvPr/>
+        </p:nvPicPr>
+        <p:blipFill>
+          <a:blip r:embed="rId3"/>
+          <a:stretch>
+            <a:fillRect/>
+          </a:stretch>
+        </p:blipFill>
+        <p:spPr>
+          <a:xfrm>
+            <a:off x="2298343" y="4286848"/>
+            <a:ext cx="6849431" cy="1552792"/>
           </a:xfrm>
           <a:prstGeom prst="rect">
             <a:avLst/>
@@ -3543,7 +3655,7 @@
     </p:spTree>
     <p:extLst>
       <p:ext uri="{BB962C8B-B14F-4D97-AF65-F5344CB8AC3E}">
-        <p14:creationId xmlns:p14="http://schemas.microsoft.com/office/powerpoint/2010/main" val="1885397709"/>
+        <p14:creationId xmlns:p14="http://schemas.microsoft.com/office/powerpoint/2010/main" val="1670848607"/>
       </p:ext>
     </p:extLst>
   </p:cSld>
@@ -3575,7 +3687,7 @@
           <p:cNvPr id="3" name="Picture 2">
             <a:extLst>
               <a:ext uri="{FF2B5EF4-FFF2-40B4-BE49-F238E27FC236}">
-                <a16:creationId xmlns:a16="http://schemas.microsoft.com/office/drawing/2014/main" id="{C5C06546-AE5B-46D1-A6F5-407A3D191ED4}"/>
+                <a16:creationId xmlns:a16="http://schemas.microsoft.com/office/drawing/2014/main" id="{7179ED39-CF64-45E5-9CD3-F7CD268BF84C}"/>
               </a:ext>
             </a:extLst>
           </p:cNvPr>
@@ -3592,68 +3704,8 @@
         </p:blipFill>
         <p:spPr>
           <a:xfrm>
-            <a:off x="401456" y="527064"/>
-            <a:ext cx="9507277" cy="2057687"/>
-          </a:xfrm>
-          <a:prstGeom prst="rect">
-            <a:avLst/>
-          </a:prstGeom>
-        </p:spPr>
-      </p:pic>
-      <p:pic>
-        <p:nvPicPr>
-          <p:cNvPr id="4" name="Picture 3">
-            <a:extLst>
-              <a:ext uri="{FF2B5EF4-FFF2-40B4-BE49-F238E27FC236}">
-                <a16:creationId xmlns:a16="http://schemas.microsoft.com/office/drawing/2014/main" id="{261CEE01-190E-44B2-A517-85F29DD64A3A}"/>
-              </a:ext>
-            </a:extLst>
-          </p:cNvPr>
-          <p:cNvPicPr>
-            <a:picLocks noChangeAspect="1"/>
-          </p:cNvPicPr>
-          <p:nvPr/>
-        </p:nvPicPr>
-        <p:blipFill>
-          <a:blip r:embed="rId3"/>
-          <a:stretch>
-            <a:fillRect/>
-          </a:stretch>
-        </p:blipFill>
-        <p:spPr>
-          <a:xfrm>
-            <a:off x="7835704" y="164085"/>
-            <a:ext cx="4557481" cy="2806925"/>
-          </a:xfrm>
-          <a:prstGeom prst="rect">
-            <a:avLst/>
-          </a:prstGeom>
-        </p:spPr>
-      </p:pic>
-      <p:pic>
-        <p:nvPicPr>
-          <p:cNvPr id="6" name="Picture 5">
-            <a:extLst>
-              <a:ext uri="{FF2B5EF4-FFF2-40B4-BE49-F238E27FC236}">
-                <a16:creationId xmlns:a16="http://schemas.microsoft.com/office/drawing/2014/main" id="{0840B828-38E1-42E0-85E2-83CA19FE62DC}"/>
-              </a:ext>
-            </a:extLst>
-          </p:cNvPr>
-          <p:cNvPicPr>
-            <a:picLocks noChangeAspect="1"/>
-          </p:cNvPicPr>
-          <p:nvPr/>
-        </p:nvPicPr>
-        <p:blipFill>
-          <a:blip r:embed="rId4"/>
-          <a:stretch>
-            <a:fillRect/>
-          </a:stretch>
-        </p:blipFill>
-        <p:spPr>
-          <a:xfrm>
-            <a:off x="506958" y="3237995"/>
-            <a:ext cx="7020905" cy="3620005"/>
+            <a:off x="118251" y="0"/>
+            <a:ext cx="9535856" cy="4401164"/>
           </a:xfrm>
           <a:prstGeom prst="rect">
             <a:avLst/>
@@ -3663,7 +3715,7 @@
     </p:spTree>
     <p:extLst>
       <p:ext uri="{BB962C8B-B14F-4D97-AF65-F5344CB8AC3E}">
-        <p14:creationId xmlns:p14="http://schemas.microsoft.com/office/powerpoint/2010/main" val="549357973"/>
+        <p14:creationId xmlns:p14="http://schemas.microsoft.com/office/powerpoint/2010/main" val="1885397709"/>
       </p:ext>
     </p:extLst>
   </p:cSld>
@@ -3695,6 +3747,126 @@
           <p:cNvPr id="3" name="Picture 2">
             <a:extLst>
               <a:ext uri="{FF2B5EF4-FFF2-40B4-BE49-F238E27FC236}">
+                <a16:creationId xmlns:a16="http://schemas.microsoft.com/office/drawing/2014/main" id="{C5C06546-AE5B-46D1-A6F5-407A3D191ED4}"/>
+              </a:ext>
+            </a:extLst>
+          </p:cNvPr>
+          <p:cNvPicPr>
+            <a:picLocks noChangeAspect="1"/>
+          </p:cNvPicPr>
+          <p:nvPr/>
+        </p:nvPicPr>
+        <p:blipFill>
+          <a:blip r:embed="rId2"/>
+          <a:stretch>
+            <a:fillRect/>
+          </a:stretch>
+        </p:blipFill>
+        <p:spPr>
+          <a:xfrm>
+            <a:off x="401456" y="527064"/>
+            <a:ext cx="9507277" cy="2057687"/>
+          </a:xfrm>
+          <a:prstGeom prst="rect">
+            <a:avLst/>
+          </a:prstGeom>
+        </p:spPr>
+      </p:pic>
+      <p:pic>
+        <p:nvPicPr>
+          <p:cNvPr id="4" name="Picture 3">
+            <a:extLst>
+              <a:ext uri="{FF2B5EF4-FFF2-40B4-BE49-F238E27FC236}">
+                <a16:creationId xmlns:a16="http://schemas.microsoft.com/office/drawing/2014/main" id="{261CEE01-190E-44B2-A517-85F29DD64A3A}"/>
+              </a:ext>
+            </a:extLst>
+          </p:cNvPr>
+          <p:cNvPicPr>
+            <a:picLocks noChangeAspect="1"/>
+          </p:cNvPicPr>
+          <p:nvPr/>
+        </p:nvPicPr>
+        <p:blipFill>
+          <a:blip r:embed="rId3"/>
+          <a:stretch>
+            <a:fillRect/>
+          </a:stretch>
+        </p:blipFill>
+        <p:spPr>
+          <a:xfrm>
+            <a:off x="7835704" y="164085"/>
+            <a:ext cx="4557481" cy="2806925"/>
+          </a:xfrm>
+          <a:prstGeom prst="rect">
+            <a:avLst/>
+          </a:prstGeom>
+        </p:spPr>
+      </p:pic>
+      <p:pic>
+        <p:nvPicPr>
+          <p:cNvPr id="6" name="Picture 5">
+            <a:extLst>
+              <a:ext uri="{FF2B5EF4-FFF2-40B4-BE49-F238E27FC236}">
+                <a16:creationId xmlns:a16="http://schemas.microsoft.com/office/drawing/2014/main" id="{0840B828-38E1-42E0-85E2-83CA19FE62DC}"/>
+              </a:ext>
+            </a:extLst>
+          </p:cNvPr>
+          <p:cNvPicPr>
+            <a:picLocks noChangeAspect="1"/>
+          </p:cNvPicPr>
+          <p:nvPr/>
+        </p:nvPicPr>
+        <p:blipFill>
+          <a:blip r:embed="rId4"/>
+          <a:stretch>
+            <a:fillRect/>
+          </a:stretch>
+        </p:blipFill>
+        <p:spPr>
+          <a:xfrm>
+            <a:off x="506958" y="3237995"/>
+            <a:ext cx="7020905" cy="3620005"/>
+          </a:xfrm>
+          <a:prstGeom prst="rect">
+            <a:avLst/>
+          </a:prstGeom>
+        </p:spPr>
+      </p:pic>
+    </p:spTree>
+    <p:extLst>
+      <p:ext uri="{BB962C8B-B14F-4D97-AF65-F5344CB8AC3E}">
+        <p14:creationId xmlns:p14="http://schemas.microsoft.com/office/powerpoint/2010/main" val="549357973"/>
+      </p:ext>
+    </p:extLst>
+  </p:cSld>
+  <p:clrMapOvr>
+    <a:masterClrMapping/>
+  </p:clrMapOvr>
+</p:sld>
+</file>
+
+<file path=ppt/slides/slide14.xml><?xml version="1.0" encoding="utf-8"?>
+<p:sld xmlns:a="http://schemas.openxmlformats.org/drawingml/2006/main" xmlns:r="http://schemas.openxmlformats.org/officeDocument/2006/relationships" xmlns:p="http://schemas.openxmlformats.org/presentationml/2006/main">
+  <p:cSld>
+    <p:spTree>
+      <p:nvGrpSpPr>
+        <p:cNvPr id="1" name=""/>
+        <p:cNvGrpSpPr/>
+        <p:nvPr/>
+      </p:nvGrpSpPr>
+      <p:grpSpPr>
+        <a:xfrm>
+          <a:off x="0" y="0"/>
+          <a:ext cx="0" cy="0"/>
+          <a:chOff x="0" y="0"/>
+          <a:chExt cx="0" cy="0"/>
+        </a:xfrm>
+      </p:grpSpPr>
+      <p:pic>
+        <p:nvPicPr>
+          <p:cNvPr id="3" name="Picture 2">
+            <a:extLst>
+              <a:ext uri="{FF2B5EF4-FFF2-40B4-BE49-F238E27FC236}">
                 <a16:creationId xmlns:a16="http://schemas.microsoft.com/office/drawing/2014/main" id="{78D0FB00-167A-4C02-808E-ACAACF6CDB2E}"/>
               </a:ext>
             </a:extLst>
@@ -3763,7 +3935,7 @@
 </p:sld>
 </file>
 
-<file path=ppt/slides/slide14.xml><?xml version="1.0" encoding="utf-8"?>
+<file path=ppt/slides/slide15.xml><?xml version="1.0" encoding="utf-8"?>
 <p:sld xmlns:a="http://schemas.openxmlformats.org/drawingml/2006/main" xmlns:r="http://schemas.openxmlformats.org/officeDocument/2006/relationships" xmlns:p="http://schemas.openxmlformats.org/presentationml/2006/main">
   <p:cSld>
     <p:spTree>
@@ -4292,10 +4464,10 @@
       </p:grpSpPr>
       <p:pic>
         <p:nvPicPr>
-          <p:cNvPr id="1028" name="Picture 4">
-            <a:extLst>
-              <a:ext uri="{FF2B5EF4-FFF2-40B4-BE49-F238E27FC236}">
-                <a16:creationId xmlns:a16="http://schemas.microsoft.com/office/drawing/2014/main" id="{1D390290-1CE9-484E-B7E0-DE43A458ACAC}"/>
+          <p:cNvPr id="1026" name="Picture 2" descr="Publisher &#10;public interface { &#10;public void subscribe(Subscriber&lt;? super T&gt; s) ; ">
+            <a:extLst>
+              <a:ext uri="{FF2B5EF4-FFF2-40B4-BE49-F238E27FC236}">
+                <a16:creationId xmlns:a16="http://schemas.microsoft.com/office/drawing/2014/main" id="{D0FD4B42-E492-4D94-AA71-2982888713E1}"/>
               </a:ext>
             </a:extLst>
           </p:cNvPr>
@@ -4319,8 +4491,8 @@
         </p:blipFill>
         <p:spPr bwMode="auto">
           <a:xfrm>
-            <a:off x="127947" y="0"/>
-            <a:ext cx="6591300" cy="2905125"/>
+            <a:off x="330200" y="133281"/>
+            <a:ext cx="6718195" cy="2636423"/>
           </a:xfrm>
           <a:prstGeom prst="rect">
             <a:avLst/>
@@ -4339,10 +4511,10 @@
       </p:pic>
       <p:pic>
         <p:nvPicPr>
-          <p:cNvPr id="1025" name="Picture 1">
-            <a:extLst>
-              <a:ext uri="{FF2B5EF4-FFF2-40B4-BE49-F238E27FC236}">
-                <a16:creationId xmlns:a16="http://schemas.microsoft.com/office/drawing/2014/main" id="{D8176A9F-DDEC-4352-905E-66F756BE5AD7}"/>
+          <p:cNvPr id="1027" name="Picture 3" descr="public interface { &#10;public &#10;public &#10;public &#10;public &#10;void &#10;void &#10;void &#10;void &#10;onSubscribe(Subscription s) ; &#10;onNext(T t); &#10;onError(Throwab1e t); &#10;onComp1ete() ; ">
+            <a:extLst>
+              <a:ext uri="{FF2B5EF4-FFF2-40B4-BE49-F238E27FC236}">
+                <a16:creationId xmlns:a16="http://schemas.microsoft.com/office/drawing/2014/main" id="{AB8577D9-ABCC-492E-A60F-9A46235A5BC0}"/>
               </a:ext>
             </a:extLst>
           </p:cNvPr>
@@ -4366,8 +4538,8 @@
         </p:blipFill>
         <p:spPr bwMode="auto">
           <a:xfrm>
-            <a:off x="2382097" y="2328770"/>
-            <a:ext cx="9496425" cy="4333875"/>
+            <a:off x="6219480" y="2647363"/>
+            <a:ext cx="5314950" cy="1952625"/>
           </a:xfrm>
           <a:prstGeom prst="rect">
             <a:avLst/>
@@ -4384,10 +4556,104 @@
           </a:extLst>
         </p:spPr>
       </p:pic>
+      <p:pic>
+        <p:nvPicPr>
+          <p:cNvPr id="1028" name="Picture 4" descr="public interface Subscription { &#10;public void request (long n) ; &#10;public void cancel(); ">
+            <a:extLst>
+              <a:ext uri="{FF2B5EF4-FFF2-40B4-BE49-F238E27FC236}">
+                <a16:creationId xmlns:a16="http://schemas.microsoft.com/office/drawing/2014/main" id="{851AD13B-1116-4ED9-BCD8-6CB97BBB9B9E}"/>
+              </a:ext>
+            </a:extLst>
+          </p:cNvPr>
+          <p:cNvPicPr>
+            <a:picLocks noChangeAspect="1" noChangeArrowheads="1"/>
+          </p:cNvPicPr>
+          <p:nvPr/>
+        </p:nvPicPr>
+        <p:blipFill>
+          <a:blip r:embed="rId4">
+            <a:extLst>
+              <a:ext uri="{28A0092B-C50C-407E-A947-70E740481C1C}">
+                <a14:useLocalDpi xmlns:a14="http://schemas.microsoft.com/office/drawing/2010/main" val="0"/>
+              </a:ext>
+            </a:extLst>
+          </a:blip>
+          <a:srcRect/>
+          <a:stretch>
+            <a:fillRect/>
+          </a:stretch>
+        </p:blipFill>
+        <p:spPr bwMode="auto">
+          <a:xfrm>
+            <a:off x="6429239" y="4695894"/>
+            <a:ext cx="5343525" cy="2028825"/>
+          </a:xfrm>
+          <a:prstGeom prst="rect">
+            <a:avLst/>
+          </a:prstGeom>
+          <a:noFill/>
+          <a:extLst>
+            <a:ext uri="{909E8E84-426E-40DD-AFC4-6F175D3DCCD1}">
+              <a14:hiddenFill xmlns:a14="http://schemas.microsoft.com/office/drawing/2010/main">
+                <a:solidFill>
+                  <a:srgbClr val="FFFFFF"/>
+                </a:solidFill>
+              </a14:hiddenFill>
+            </a:ext>
+          </a:extLst>
+        </p:spPr>
+      </p:pic>
+      <p:pic>
+        <p:nvPicPr>
+          <p:cNvPr id="1029" name="Picture 5" descr="Reactor Publishers &#10;CO, l] &#10;Mono &#10;n] &#10;Flux ">
+            <a:extLst>
+              <a:ext uri="{FF2B5EF4-FFF2-40B4-BE49-F238E27FC236}">
+                <a16:creationId xmlns:a16="http://schemas.microsoft.com/office/drawing/2014/main" id="{2EDA7D61-992E-40D5-9678-80647DE79C42}"/>
+              </a:ext>
+            </a:extLst>
+          </p:cNvPr>
+          <p:cNvPicPr>
+            <a:picLocks noChangeAspect="1" noChangeArrowheads="1"/>
+          </p:cNvPicPr>
+          <p:nvPr/>
+        </p:nvPicPr>
+        <p:blipFill>
+          <a:blip r:embed="rId5">
+            <a:extLst>
+              <a:ext uri="{28A0092B-C50C-407E-A947-70E740481C1C}">
+                <a14:useLocalDpi xmlns:a14="http://schemas.microsoft.com/office/drawing/2010/main" val="0"/>
+              </a:ext>
+            </a:extLst>
+          </a:blip>
+          <a:srcRect/>
+          <a:stretch>
+            <a:fillRect/>
+          </a:stretch>
+        </p:blipFill>
+        <p:spPr bwMode="auto">
+          <a:xfrm>
+            <a:off x="1057413" y="2806354"/>
+            <a:ext cx="4705350" cy="2409825"/>
+          </a:xfrm>
+          <a:prstGeom prst="rect">
+            <a:avLst/>
+          </a:prstGeom>
+          <a:noFill/>
+          <a:extLst>
+            <a:ext uri="{909E8E84-426E-40DD-AFC4-6F175D3DCCD1}">
+              <a14:hiddenFill xmlns:a14="http://schemas.microsoft.com/office/drawing/2010/main">
+                <a:solidFill>
+                  <a:srgbClr val="FFFFFF"/>
+                </a:solidFill>
+              </a14:hiddenFill>
+            </a:ext>
+          </a:extLst>
+        </p:spPr>
+      </p:pic>
     </p:spTree>
     <p:extLst>
       <p:ext uri="{BB962C8B-B14F-4D97-AF65-F5344CB8AC3E}">
-        <p14:creationId xmlns:p14="http://schemas.microsoft.com/office/powerpoint/2010/main" val="3396143726"/>
+        <p14:creationId xmlns:p14="http://schemas.microsoft.com/office/powerpoint/2010/main" val="1424587675"/>
       </p:ext>
     </p:extLst>
   </p:cSld>
@@ -4416,10 +4682,10 @@
       </p:grpSpPr>
       <p:pic>
         <p:nvPicPr>
-          <p:cNvPr id="2" name="Picture 3">
-            <a:extLst>
-              <a:ext uri="{FF2B5EF4-FFF2-40B4-BE49-F238E27FC236}">
-                <a16:creationId xmlns:a16="http://schemas.microsoft.com/office/drawing/2014/main" id="{85EE3DA8-5B09-40BA-B4BC-8A72EAFA9E36}"/>
+          <p:cNvPr id="1028" name="Picture 4">
+            <a:extLst>
+              <a:ext uri="{FF2B5EF4-FFF2-40B4-BE49-F238E27FC236}">
+                <a16:creationId xmlns:a16="http://schemas.microsoft.com/office/drawing/2014/main" id="{1D390290-1CE9-484E-B7E0-DE43A458ACAC}"/>
               </a:ext>
             </a:extLst>
           </p:cNvPr>
@@ -4443,8 +4709,8 @@
         </p:blipFill>
         <p:spPr bwMode="auto">
           <a:xfrm>
-            <a:off x="0" y="0"/>
-            <a:ext cx="6143625" cy="3057525"/>
+            <a:off x="127947" y="0"/>
+            <a:ext cx="6591300" cy="2905125"/>
           </a:xfrm>
           <a:prstGeom prst="rect">
             <a:avLst/>
@@ -4463,10 +4729,10 @@
       </p:pic>
       <p:pic>
         <p:nvPicPr>
-          <p:cNvPr id="3" name="Picture 5">
-            <a:extLst>
-              <a:ext uri="{FF2B5EF4-FFF2-40B4-BE49-F238E27FC236}">
-                <a16:creationId xmlns:a16="http://schemas.microsoft.com/office/drawing/2014/main" id="{715F1DC8-B2EE-4EB5-B65A-BA76972699E4}"/>
+          <p:cNvPr id="1025" name="Picture 1">
+            <a:extLst>
+              <a:ext uri="{FF2B5EF4-FFF2-40B4-BE49-F238E27FC236}">
+                <a16:creationId xmlns:a16="http://schemas.microsoft.com/office/drawing/2014/main" id="{D8176A9F-DDEC-4352-905E-66F756BE5AD7}"/>
               </a:ext>
             </a:extLst>
           </p:cNvPr>
@@ -4490,8 +4756,8 @@
         </p:blipFill>
         <p:spPr bwMode="auto">
           <a:xfrm>
-            <a:off x="5459895" y="180976"/>
-            <a:ext cx="6096000" cy="3619500"/>
+            <a:off x="2382097" y="2328770"/>
+            <a:ext cx="9496425" cy="4333875"/>
           </a:xfrm>
           <a:prstGeom prst="rect">
             <a:avLst/>
@@ -4508,57 +4774,10 @@
           </a:extLst>
         </p:spPr>
       </p:pic>
-      <p:pic>
-        <p:nvPicPr>
-          <p:cNvPr id="4" name="Picture 2">
-            <a:extLst>
-              <a:ext uri="{FF2B5EF4-FFF2-40B4-BE49-F238E27FC236}">
-                <a16:creationId xmlns:a16="http://schemas.microsoft.com/office/drawing/2014/main" id="{7D121C49-71A7-476D-BCD4-9F85E0B5E565}"/>
-              </a:ext>
-            </a:extLst>
-          </p:cNvPr>
-          <p:cNvPicPr>
-            <a:picLocks noChangeAspect="1" noChangeArrowheads="1"/>
-          </p:cNvPicPr>
-          <p:nvPr/>
-        </p:nvPicPr>
-        <p:blipFill>
-          <a:blip r:embed="rId4">
-            <a:extLst>
-              <a:ext uri="{28A0092B-C50C-407E-A947-70E740481C1C}">
-                <a14:useLocalDpi xmlns:a14="http://schemas.microsoft.com/office/drawing/2010/main" val="0"/>
-              </a:ext>
-            </a:extLst>
-          </a:blip>
-          <a:srcRect/>
-          <a:stretch>
-            <a:fillRect/>
-          </a:stretch>
-        </p:blipFill>
-        <p:spPr bwMode="auto">
-          <a:xfrm>
-            <a:off x="28575" y="4081670"/>
-            <a:ext cx="6115050" cy="2381250"/>
-          </a:xfrm>
-          <a:prstGeom prst="rect">
-            <a:avLst/>
-          </a:prstGeom>
-          <a:noFill/>
-          <a:extLst>
-            <a:ext uri="{909E8E84-426E-40DD-AFC4-6F175D3DCCD1}">
-              <a14:hiddenFill xmlns:a14="http://schemas.microsoft.com/office/drawing/2010/main">
-                <a:solidFill>
-                  <a:srgbClr val="FFFFFF"/>
-                </a:solidFill>
-              </a14:hiddenFill>
-            </a:ext>
-          </a:extLst>
-        </p:spPr>
-      </p:pic>
     </p:spTree>
     <p:extLst>
       <p:ext uri="{BB962C8B-B14F-4D97-AF65-F5344CB8AC3E}">
-        <p14:creationId xmlns:p14="http://schemas.microsoft.com/office/powerpoint/2010/main" val="2314752061"/>
+        <p14:creationId xmlns:p14="http://schemas.microsoft.com/office/powerpoint/2010/main" val="3396143726"/>
       </p:ext>
     </p:extLst>
   </p:cSld>

--- a/product-api-annotation/presentation.pptx
+++ b/product-api-annotation/presentation.pptx
@@ -11,7 +11,7 @@
     <p:sldId id="259" r:id="rId5"/>
     <p:sldId id="260" r:id="rId6"/>
     <p:sldId id="261" r:id="rId7"/>
-    <p:sldId id="262" r:id="rId8"/>
+    <p:sldId id="271" r:id="rId8"/>
     <p:sldId id="270" r:id="rId9"/>
     <p:sldId id="263" r:id="rId10"/>
     <p:sldId id="264" r:id="rId11"/>
@@ -4374,68 +4374,102 @@
       </p:grpSpPr>
       <p:pic>
         <p:nvPicPr>
-          <p:cNvPr id="3" name="Picture 2">
-            <a:extLst>
-              <a:ext uri="{FF2B5EF4-FFF2-40B4-BE49-F238E27FC236}">
-                <a16:creationId xmlns:a16="http://schemas.microsoft.com/office/drawing/2014/main" id="{B2D60DEB-C604-4011-9621-F70649B98964}"/>
+          <p:cNvPr id="2050" name="Picture 2" descr="Spring MVC">
+            <a:extLst>
+              <a:ext uri="{FF2B5EF4-FFF2-40B4-BE49-F238E27FC236}">
+                <a16:creationId xmlns:a16="http://schemas.microsoft.com/office/drawing/2014/main" id="{4BFB082F-DDBE-4F01-988C-2ABDB30AF554}"/>
               </a:ext>
             </a:extLst>
           </p:cNvPr>
           <p:cNvPicPr>
-            <a:picLocks noChangeAspect="1"/>
+            <a:picLocks noChangeAspect="1" noChangeArrowheads="1"/>
           </p:cNvPicPr>
           <p:nvPr/>
         </p:nvPicPr>
         <p:blipFill>
-          <a:blip r:embed="rId2"/>
+          <a:blip r:embed="rId2">
+            <a:extLst>
+              <a:ext uri="{28A0092B-C50C-407E-A947-70E740481C1C}">
+                <a14:useLocalDpi xmlns:a14="http://schemas.microsoft.com/office/drawing/2010/main" val="0"/>
+              </a:ext>
+            </a:extLst>
+          </a:blip>
+          <a:srcRect/>
           <a:stretch>
             <a:fillRect/>
           </a:stretch>
         </p:blipFill>
-        <p:spPr>
+        <p:spPr bwMode="auto">
           <a:xfrm>
-            <a:off x="115743" y="4412317"/>
-            <a:ext cx="5755630" cy="2445683"/>
+            <a:off x="1183585" y="729698"/>
+            <a:ext cx="4762500" cy="4762500"/>
           </a:xfrm>
           <a:prstGeom prst="rect">
             <a:avLst/>
           </a:prstGeom>
+          <a:noFill/>
+          <a:extLst>
+            <a:ext uri="{909E8E84-426E-40DD-AFC4-6F175D3DCCD1}">
+              <a14:hiddenFill xmlns:a14="http://schemas.microsoft.com/office/drawing/2010/main">
+                <a:solidFill>
+                  <a:srgbClr val="FFFFFF"/>
+                </a:solidFill>
+              </a14:hiddenFill>
+            </a:ext>
+          </a:extLst>
         </p:spPr>
       </p:pic>
       <p:pic>
         <p:nvPicPr>
-          <p:cNvPr id="5" name="Picture 4">
-            <a:extLst>
-              <a:ext uri="{FF2B5EF4-FFF2-40B4-BE49-F238E27FC236}">
-                <a16:creationId xmlns:a16="http://schemas.microsoft.com/office/drawing/2014/main" id="{0EC3534E-3A8F-457B-B383-C6BCE9E2A68B}"/>
+          <p:cNvPr id="2052" name="Picture 4">
+            <a:extLst>
+              <a:ext uri="{FF2B5EF4-FFF2-40B4-BE49-F238E27FC236}">
+                <a16:creationId xmlns:a16="http://schemas.microsoft.com/office/drawing/2014/main" id="{4C286566-DEAB-4C17-90D4-8B3185792F7A}"/>
               </a:ext>
             </a:extLst>
           </p:cNvPr>
           <p:cNvPicPr>
-            <a:picLocks noChangeAspect="1"/>
+            <a:picLocks noChangeAspect="1" noChangeArrowheads="1"/>
           </p:cNvPicPr>
           <p:nvPr/>
         </p:nvPicPr>
         <p:blipFill>
-          <a:blip r:embed="rId3"/>
+          <a:blip r:embed="rId3">
+            <a:extLst>
+              <a:ext uri="{28A0092B-C50C-407E-A947-70E740481C1C}">
+                <a14:useLocalDpi xmlns:a14="http://schemas.microsoft.com/office/drawing/2010/main" val="0"/>
+              </a:ext>
+            </a:extLst>
+          </a:blip>
+          <a:srcRect/>
           <a:stretch>
             <a:fillRect/>
           </a:stretch>
         </p:blipFill>
-        <p:spPr>
+        <p:spPr bwMode="auto">
           <a:xfrm>
-            <a:off x="4499404" y="0"/>
-            <a:ext cx="7576853" cy="5264830"/>
+            <a:off x="6096000" y="611944"/>
+            <a:ext cx="5634111" cy="5634111"/>
           </a:xfrm>
           <a:prstGeom prst="rect">
             <a:avLst/>
           </a:prstGeom>
+          <a:noFill/>
+          <a:extLst>
+            <a:ext uri="{909E8E84-426E-40DD-AFC4-6F175D3DCCD1}">
+              <a14:hiddenFill xmlns:a14="http://schemas.microsoft.com/office/drawing/2010/main">
+                <a:solidFill>
+                  <a:srgbClr val="FFFFFF"/>
+                </a:solidFill>
+              </a14:hiddenFill>
+            </a:ext>
+          </a:extLst>
         </p:spPr>
       </p:pic>
     </p:spTree>
     <p:extLst>
       <p:ext uri="{BB962C8B-B14F-4D97-AF65-F5344CB8AC3E}">
-        <p14:creationId xmlns:p14="http://schemas.microsoft.com/office/powerpoint/2010/main" val="3132886462"/>
+        <p14:creationId xmlns:p14="http://schemas.microsoft.com/office/powerpoint/2010/main" val="982847428"/>
       </p:ext>
     </p:extLst>
   </p:cSld>
